--- a/fetu/KryptoMagic Modular Arithmetic.pptx
+++ b/fetu/KryptoMagic Modular Arithmetic.pptx
@@ -1702,7 +1702,7 @@
           </a:bodyPr>
           <a:p>
             <a:pPr algn="r"/>
-            <a:fld id="{C651AF9D-2333-44FD-B3CB-55F84CA2CDF3}" type="slidenum">
+            <a:fld id="{6ABBA50F-2180-471B-BD6F-D6CF43CCBECF}" type="slidenum">
               <a:rPr b="0" lang="en-US" sz="1400" spc="-1" strike="noStrike">
                 <a:latin typeface="Times New Roman"/>
               </a:rPr>
@@ -2172,6 +2172,28 @@
                 <a:latin typeface="Arial"/>
               </a:rPr>
               <a:t>The Mask and the Modulus</a:t>
+            </a:r>
+            <a:endParaRPr b="0" lang="en-US" sz="3200" spc="-1" strike="noStrike">
+              <a:latin typeface="Arial"/>
+            </a:endParaRPr>
+          </a:p>
+          <a:p>
+            <a:pPr marL="432000" indent="-324000">
+              <a:spcBef>
+                <a:spcPts val="1417"/>
+              </a:spcBef>
+              <a:buClr>
+                <a:srgbClr val="000000"/>
+              </a:buClr>
+              <a:buSzPct val="45000"/>
+              <a:buFont typeface="Wingdings" charset="2"/>
+              <a:buChar char=""/>
+            </a:pPr>
+            <a:r>
+              <a:rPr b="0" lang="en-US" sz="3200" spc="-1" strike="noStrike">
+                <a:latin typeface="Arial"/>
+              </a:rPr>
+              <a:t>The Modulus and the Mask</a:t>
             </a:r>
             <a:endParaRPr b="0" lang="en-US" sz="3200" spc="-1" strike="noStrike">
               <a:latin typeface="Arial"/>
